--- a/Clase 2/clase2.pptx
+++ b/Clase 2/clase2.pptx
@@ -248,7 +248,7 @@
           <a:p>
             <a:fld id="{56EFBD41-8F30-499F-8836-9A8B592EDCF2}" type="datetimeFigureOut">
               <a:rPr lang="es-CR" smtClean="0"/>
-              <a:t>23/1/2018</a:t>
+              <a:t>30/1/2018</a:t>
             </a:fld>
             <a:endParaRPr lang="es-CR"/>
           </a:p>
@@ -413,7 +413,7 @@
           <a:p>
             <a:fld id="{701C4BE3-AD0D-43FB-97B9-68E31F3243AC}" type="datetimeFigureOut">
               <a:rPr lang="es-CR" smtClean="0"/>
-              <a:t>23/1/2018</a:t>
+              <a:t>30/1/2018</a:t>
             </a:fld>
             <a:endParaRPr lang="es-CR"/>
           </a:p>
@@ -823,7 +823,7 @@
           <a:p>
             <a:fld id="{EABE8AA6-12A8-4B45-AB18-A83908A3A2E6}" type="datetimeFigureOut">
               <a:rPr lang="es-ES" smtClean="0"/>
-              <a:t>23/01/2018</a:t>
+              <a:t>30/01/2018</a:t>
             </a:fld>
             <a:endParaRPr lang="es-ES"/>
           </a:p>
@@ -993,7 +993,7 @@
           <a:p>
             <a:fld id="{EABE8AA6-12A8-4B45-AB18-A83908A3A2E6}" type="datetimeFigureOut">
               <a:rPr lang="es-ES" smtClean="0"/>
-              <a:t>23/01/2018</a:t>
+              <a:t>30/01/2018</a:t>
             </a:fld>
             <a:endParaRPr lang="es-ES"/>
           </a:p>
@@ -1173,7 +1173,7 @@
           <a:p>
             <a:fld id="{EABE8AA6-12A8-4B45-AB18-A83908A3A2E6}" type="datetimeFigureOut">
               <a:rPr lang="es-ES" smtClean="0"/>
-              <a:t>23/01/2018</a:t>
+              <a:t>30/01/2018</a:t>
             </a:fld>
             <a:endParaRPr lang="es-ES"/>
           </a:p>
@@ -1376,7 +1376,7 @@
           <a:p>
             <a:fld id="{EABE8AA6-12A8-4B45-AB18-A83908A3A2E6}" type="datetimeFigureOut">
               <a:rPr lang="es-ES" smtClean="0"/>
-              <a:t>23/01/2018</a:t>
+              <a:t>30/01/2018</a:t>
             </a:fld>
             <a:endParaRPr lang="es-ES"/>
           </a:p>
@@ -1546,7 +1546,7 @@
           <a:p>
             <a:fld id="{EABE8AA6-12A8-4B45-AB18-A83908A3A2E6}" type="datetimeFigureOut">
               <a:rPr lang="es-ES" smtClean="0"/>
-              <a:t>23/01/2018</a:t>
+              <a:t>30/01/2018</a:t>
             </a:fld>
             <a:endParaRPr lang="es-ES"/>
           </a:p>
@@ -1797,7 +1797,7 @@
           <a:p>
             <a:fld id="{EABE8AA6-12A8-4B45-AB18-A83908A3A2E6}" type="datetimeFigureOut">
               <a:rPr lang="es-ES" smtClean="0"/>
-              <a:t>23/01/2018</a:t>
+              <a:t>30/01/2018</a:t>
             </a:fld>
             <a:endParaRPr lang="es-ES"/>
           </a:p>
@@ -2029,7 +2029,7 @@
           <a:p>
             <a:fld id="{EABE8AA6-12A8-4B45-AB18-A83908A3A2E6}" type="datetimeFigureOut">
               <a:rPr lang="es-ES" smtClean="0"/>
-              <a:t>23/01/2018</a:t>
+              <a:t>30/01/2018</a:t>
             </a:fld>
             <a:endParaRPr lang="es-ES"/>
           </a:p>
@@ -2376,7 +2376,7 @@
           <a:p>
             <a:fld id="{EABE8AA6-12A8-4B45-AB18-A83908A3A2E6}" type="datetimeFigureOut">
               <a:rPr lang="es-ES" smtClean="0"/>
-              <a:t>23/01/2018</a:t>
+              <a:t>30/01/2018</a:t>
             </a:fld>
             <a:endParaRPr lang="es-ES"/>
           </a:p>
@@ -2494,7 +2494,7 @@
           <a:p>
             <a:fld id="{73D7E00A-486F-4252-8B1D-E32645521F49}" type="datetime1">
               <a:rPr lang="en-US" smtClean="0"/>
-              <a:t>1/23/2018</a:t>
+              <a:t>1/30/2018</a:t>
             </a:fld>
             <a:endParaRPr lang="en-US"/>
           </a:p>
@@ -2612,7 +2612,7 @@
           <a:p>
             <a:fld id="{EABE8AA6-12A8-4B45-AB18-A83908A3A2E6}" type="datetimeFigureOut">
               <a:rPr lang="es-ES" smtClean="0"/>
-              <a:t>23/01/2018</a:t>
+              <a:t>30/01/2018</a:t>
             </a:fld>
             <a:endParaRPr lang="es-ES"/>
           </a:p>
@@ -2896,7 +2896,7 @@
           <a:p>
             <a:fld id="{EABE8AA6-12A8-4B45-AB18-A83908A3A2E6}" type="datetimeFigureOut">
               <a:rPr lang="es-ES" smtClean="0"/>
-              <a:t>23/01/2018</a:t>
+              <a:t>30/01/2018</a:t>
             </a:fld>
             <a:endParaRPr lang="es-ES"/>
           </a:p>
@@ -3066,7 +3066,7 @@
           <a:p>
             <a:fld id="{EABE8AA6-12A8-4B45-AB18-A83908A3A2E6}" type="datetimeFigureOut">
               <a:rPr lang="es-ES" smtClean="0"/>
-              <a:t>23/01/2018</a:t>
+              <a:t>30/01/2018</a:t>
             </a:fld>
             <a:endParaRPr lang="es-ES"/>
           </a:p>
@@ -3330,7 +3330,7 @@
           <a:p>
             <a:fld id="{EABE8AA6-12A8-4B45-AB18-A83908A3A2E6}" type="datetimeFigureOut">
               <a:rPr lang="es-ES" smtClean="0"/>
-              <a:t>23/01/2018</a:t>
+              <a:t>30/01/2018</a:t>
             </a:fld>
             <a:endParaRPr lang="es-ES"/>
           </a:p>
@@ -3500,7 +3500,7 @@
           <a:p>
             <a:fld id="{EABE8AA6-12A8-4B45-AB18-A83908A3A2E6}" type="datetimeFigureOut">
               <a:rPr lang="es-ES" smtClean="0"/>
-              <a:t>23/01/2018</a:t>
+              <a:t>30/01/2018</a:t>
             </a:fld>
             <a:endParaRPr lang="es-ES"/>
           </a:p>
@@ -3680,7 +3680,7 @@
           <a:p>
             <a:fld id="{EABE8AA6-12A8-4B45-AB18-A83908A3A2E6}" type="datetimeFigureOut">
               <a:rPr lang="es-ES" smtClean="0"/>
-              <a:t>23/01/2018</a:t>
+              <a:t>30/01/2018</a:t>
             </a:fld>
             <a:endParaRPr lang="es-ES"/>
           </a:p>
@@ -3872,7 +3872,7 @@
           <a:p>
             <a:fld id="{EABE8AA6-12A8-4B45-AB18-A83908A3A2E6}" type="datetimeFigureOut">
               <a:rPr lang="es-ES" smtClean="0"/>
-              <a:t>23/01/2018</a:t>
+              <a:t>30/01/2018</a:t>
             </a:fld>
             <a:endParaRPr lang="es-ES"/>
           </a:p>
@@ -4133,7 +4133,7 @@
           <a:p>
             <a:fld id="{EABE8AA6-12A8-4B45-AB18-A83908A3A2E6}" type="datetimeFigureOut">
               <a:rPr lang="es-ES" smtClean="0"/>
-              <a:t>23/01/2018</a:t>
+              <a:t>30/01/2018</a:t>
             </a:fld>
             <a:endParaRPr lang="es-ES"/>
           </a:p>
@@ -4524,7 +4524,7 @@
           <a:p>
             <a:fld id="{EABE8AA6-12A8-4B45-AB18-A83908A3A2E6}" type="datetimeFigureOut">
               <a:rPr lang="es-ES" smtClean="0"/>
-              <a:t>23/01/2018</a:t>
+              <a:t>30/01/2018</a:t>
             </a:fld>
             <a:endParaRPr lang="es-ES"/>
           </a:p>
@@ -4812,7 +4812,7 @@
           <a:p>
             <a:fld id="{EABE8AA6-12A8-4B45-AB18-A83908A3A2E6}" type="datetimeFigureOut">
               <a:rPr lang="es-ES" smtClean="0"/>
-              <a:t>23/01/2018</a:t>
+              <a:t>30/01/2018</a:t>
             </a:fld>
             <a:endParaRPr lang="es-ES"/>
           </a:p>
@@ -5235,7 +5235,7 @@
           <a:p>
             <a:fld id="{EABE8AA6-12A8-4B45-AB18-A83908A3A2E6}" type="datetimeFigureOut">
               <a:rPr lang="es-ES" smtClean="0"/>
-              <a:t>23/01/2018</a:t>
+              <a:t>30/01/2018</a:t>
             </a:fld>
             <a:endParaRPr lang="es-ES"/>
           </a:p>
@@ -5353,7 +5353,7 @@
           <a:p>
             <a:fld id="{73D7E00A-486F-4252-8B1D-E32645521F49}" type="datetime1">
               <a:rPr lang="en-US" smtClean="0"/>
-              <a:t>1/23/2018</a:t>
+              <a:t>1/30/2018</a:t>
             </a:fld>
             <a:endParaRPr lang="en-US"/>
           </a:p>
@@ -5448,7 +5448,7 @@
           <a:p>
             <a:fld id="{EABE8AA6-12A8-4B45-AB18-A83908A3A2E6}" type="datetimeFigureOut">
               <a:rPr lang="es-ES" smtClean="0"/>
-              <a:t>23/01/2018</a:t>
+              <a:t>30/01/2018</a:t>
             </a:fld>
             <a:endParaRPr lang="es-ES"/>
           </a:p>
@@ -5699,7 +5699,7 @@
           <a:p>
             <a:fld id="{EABE8AA6-12A8-4B45-AB18-A83908A3A2E6}" type="datetimeFigureOut">
               <a:rPr lang="es-ES" smtClean="0"/>
-              <a:t>23/01/2018</a:t>
+              <a:t>30/01/2018</a:t>
             </a:fld>
             <a:endParaRPr lang="es-ES"/>
           </a:p>
@@ -5976,7 +5976,7 @@
           <a:p>
             <a:fld id="{EABE8AA6-12A8-4B45-AB18-A83908A3A2E6}" type="datetimeFigureOut">
               <a:rPr lang="es-ES" smtClean="0"/>
-              <a:t>23/01/2018</a:t>
+              <a:t>30/01/2018</a:t>
             </a:fld>
             <a:endParaRPr lang="es-ES"/>
           </a:p>
@@ -6233,7 +6233,7 @@
           <a:p>
             <a:fld id="{EABE8AA6-12A8-4B45-AB18-A83908A3A2E6}" type="datetimeFigureOut">
               <a:rPr lang="es-ES" smtClean="0"/>
-              <a:t>23/01/2018</a:t>
+              <a:t>30/01/2018</a:t>
             </a:fld>
             <a:endParaRPr lang="es-ES"/>
           </a:p>
@@ -6403,7 +6403,7 @@
           <a:p>
             <a:fld id="{EABE8AA6-12A8-4B45-AB18-A83908A3A2E6}" type="datetimeFigureOut">
               <a:rPr lang="es-ES" smtClean="0"/>
-              <a:t>23/01/2018</a:t>
+              <a:t>30/01/2018</a:t>
             </a:fld>
             <a:endParaRPr lang="es-ES"/>
           </a:p>
@@ -6583,7 +6583,7 @@
           <a:p>
             <a:fld id="{EABE8AA6-12A8-4B45-AB18-A83908A3A2E6}" type="datetimeFigureOut">
               <a:rPr lang="es-ES" smtClean="0"/>
-              <a:t>23/01/2018</a:t>
+              <a:t>30/01/2018</a:t>
             </a:fld>
             <a:endParaRPr lang="es-ES"/>
           </a:p>
@@ -7123,7 +7123,7 @@
           <a:p>
             <a:fld id="{EABE8AA6-12A8-4B45-AB18-A83908A3A2E6}" type="datetimeFigureOut">
               <a:rPr lang="es-ES" smtClean="0"/>
-              <a:t>23/01/2018</a:t>
+              <a:t>30/01/2018</a:t>
             </a:fld>
             <a:endParaRPr lang="es-ES"/>
           </a:p>
@@ -7470,7 +7470,7 @@
           <a:p>
             <a:fld id="{EABE8AA6-12A8-4B45-AB18-A83908A3A2E6}" type="datetimeFigureOut">
               <a:rPr lang="es-ES" smtClean="0"/>
-              <a:t>23/01/2018</a:t>
+              <a:t>30/01/2018</a:t>
             </a:fld>
             <a:endParaRPr lang="es-ES"/>
           </a:p>
@@ -7588,7 +7588,7 @@
           <a:p>
             <a:fld id="{73D7E00A-486F-4252-8B1D-E32645521F49}" type="datetime1">
               <a:rPr lang="en-US" smtClean="0"/>
-              <a:t>1/23/2018</a:t>
+              <a:t>1/30/2018</a:t>
             </a:fld>
             <a:endParaRPr lang="en-US"/>
           </a:p>
@@ -8026,7 +8026,7 @@
           <a:p>
             <a:fld id="{EABE8AA6-12A8-4B45-AB18-A83908A3A2E6}" type="datetimeFigureOut">
               <a:rPr lang="es-ES" smtClean="0"/>
-              <a:t>23/01/2018</a:t>
+              <a:t>30/01/2018</a:t>
             </a:fld>
             <a:endParaRPr lang="es-ES"/>
           </a:p>
@@ -8290,7 +8290,7 @@
           <a:p>
             <a:fld id="{EABE8AA6-12A8-4B45-AB18-A83908A3A2E6}" type="datetimeFigureOut">
               <a:rPr lang="es-ES" smtClean="0"/>
-              <a:t>23/01/2018</a:t>
+              <a:t>30/01/2018</a:t>
             </a:fld>
             <a:endParaRPr lang="es-ES"/>
           </a:p>
@@ -8504,7 +8504,7 @@
           <a:p>
             <a:fld id="{5586B75A-687E-405C-8A0B-8D00578BA2C3}" type="datetime1">
               <a:rPr lang="en-US" smtClean="0"/>
-              <a:t>1/23/2018</a:t>
+              <a:t>1/30/2018</a:t>
             </a:fld>
             <a:endParaRPr lang="en-US"/>
           </a:p>
@@ -9034,7 +9034,7 @@
           <a:p>
             <a:fld id="{5586B75A-687E-405C-8A0B-8D00578BA2C3}" type="datetime1">
               <a:rPr lang="en-US" smtClean="0"/>
-              <a:t>1/23/2018</a:t>
+              <a:t>1/30/2018</a:t>
             </a:fld>
             <a:endParaRPr lang="en-US"/>
           </a:p>
@@ -9563,7 +9563,7 @@
           <a:p>
             <a:fld id="{5586B75A-687E-405C-8A0B-8D00578BA2C3}" type="datetime1">
               <a:rPr lang="en-US" smtClean="0"/>
-              <a:t>1/23/2018</a:t>
+              <a:t>1/30/2018</a:t>
             </a:fld>
             <a:endParaRPr lang="en-US"/>
           </a:p>
@@ -10280,8 +10280,13 @@
             </a:br>
             <a:r>
               <a:rPr lang="es-CR" dirty="0"/>
-              <a:t>ISW­-413</a:t>
-            </a:r>
+              <a:t>ISW</a:t>
+            </a:r>
+            <a:r>
+              <a:rPr lang="es-CR"/>
+              <a:t>­-413</a:t>
+            </a:r>
+            <a:endParaRPr lang="es-CR" dirty="0"/>
           </a:p>
         </p:txBody>
       </p:sp>
